--- a/Notebooks/EngineeringNotebook/MS-PowerPoint-Files/tsWxGTUI_PyVx/UseCase_2_Block_Diagrams.pptx
+++ b/Notebooks/EngineeringNotebook/MS-PowerPoint-Files/tsWxGTUI_PyVx/UseCase_2_Block_Diagrams.pptx
@@ -292,7 +292,7 @@
               <a:pPr>
                 <a:defRPr/>
               </a:pPr>
-              <a:t>11/25/2015</a:t>
+              <a:t>12/23/2016</a:t>
             </a:fld>
             <a:endParaRPr lang="en-US"/>
           </a:p>
@@ -529,7 +529,7 @@
               <a:pPr>
                 <a:defRPr/>
               </a:pPr>
-              <a:t>11/25/2015</a:t>
+              <a:t>12/23/2016</a:t>
             </a:fld>
             <a:endParaRPr lang="en-US"/>
           </a:p>
@@ -601,35 +601,35 @@
           <a:p>
             <a:pPr lvl="0"/>
             <a:r>
-              <a:rPr lang="en-US" noProof="0" smtClean="0"/>
+              <a:rPr lang="en-US" noProof="0"/>
               <a:t>Click to edit Master text styles</a:t>
             </a:r>
           </a:p>
           <a:p>
             <a:pPr lvl="1"/>
             <a:r>
-              <a:rPr lang="en-US" noProof="0" smtClean="0"/>
+              <a:rPr lang="en-US" noProof="0"/>
               <a:t>Second level</a:t>
             </a:r>
           </a:p>
           <a:p>
             <a:pPr lvl="2"/>
             <a:r>
-              <a:rPr lang="en-US" noProof="0" smtClean="0"/>
+              <a:rPr lang="en-US" noProof="0"/>
               <a:t>Third level</a:t>
             </a:r>
           </a:p>
           <a:p>
             <a:pPr lvl="3"/>
             <a:r>
-              <a:rPr lang="en-US" noProof="0" smtClean="0"/>
+              <a:rPr lang="en-US" noProof="0"/>
               <a:t>Fourth level</a:t>
             </a:r>
           </a:p>
           <a:p>
             <a:pPr lvl="4"/>
             <a:r>
-              <a:rPr lang="en-US" noProof="0" smtClean="0"/>
+              <a:rPr lang="en-US" noProof="0"/>
               <a:t>Fifth level</a:t>
             </a:r>
           </a:p>
@@ -916,7 +916,7 @@
           <a:lstStyle/>
           <a:p>
             <a:pPr eaLnBrk="1" hangingPunct="1"/>
-            <a:endParaRPr lang="en-US" smtClean="0"/>
+            <a:endParaRPr lang="en-US"/>
           </a:p>
         </p:txBody>
       </p:sp>
@@ -983,7 +983,7 @@
           <a:lstStyle/>
           <a:p>
             <a:pPr eaLnBrk="1" hangingPunct="1"/>
-            <a:endParaRPr lang="en-US" smtClean="0"/>
+            <a:endParaRPr lang="en-US"/>
           </a:p>
         </p:txBody>
       </p:sp>
@@ -1050,7 +1050,7 @@
           <a:lstStyle/>
           <a:p>
             <a:pPr eaLnBrk="1" hangingPunct="1"/>
-            <a:endParaRPr lang="en-US" smtClean="0"/>
+            <a:endParaRPr lang="en-US"/>
           </a:p>
         </p:txBody>
       </p:sp>
@@ -1117,7 +1117,7 @@
           <a:lstStyle/>
           <a:p>
             <a:pPr eaLnBrk="1" hangingPunct="1"/>
-            <a:endParaRPr lang="en-US" dirty="0" smtClean="0"/>
+            <a:endParaRPr lang="en-US" dirty="0"/>
           </a:p>
         </p:txBody>
       </p:sp>
@@ -1184,7 +1184,7 @@
           <a:lstStyle/>
           <a:p>
             <a:pPr eaLnBrk="1" hangingPunct="1"/>
-            <a:endParaRPr lang="en-US" smtClean="0"/>
+            <a:endParaRPr lang="en-US"/>
           </a:p>
         </p:txBody>
       </p:sp>
@@ -1251,7 +1251,7 @@
           <a:lstStyle/>
           <a:p>
             <a:pPr eaLnBrk="1" hangingPunct="1"/>
-            <a:endParaRPr lang="en-US" smtClean="0"/>
+            <a:endParaRPr lang="en-US"/>
           </a:p>
         </p:txBody>
       </p:sp>
@@ -1318,7 +1318,7 @@
           <a:lstStyle/>
           <a:p>
             <a:pPr eaLnBrk="1" hangingPunct="1"/>
-            <a:endParaRPr lang="en-US" smtClean="0"/>
+            <a:endParaRPr lang="en-US"/>
           </a:p>
         </p:txBody>
       </p:sp>
@@ -1385,7 +1385,7 @@
           <a:lstStyle/>
           <a:p>
             <a:pPr eaLnBrk="1" hangingPunct="1"/>
-            <a:endParaRPr lang="en-US" smtClean="0"/>
+            <a:endParaRPr lang="en-US"/>
           </a:p>
         </p:txBody>
       </p:sp>
@@ -1452,7 +1452,7 @@
           <a:lstStyle/>
           <a:p>
             <a:pPr eaLnBrk="1" hangingPunct="1"/>
-            <a:endParaRPr lang="en-US" smtClean="0"/>
+            <a:endParaRPr lang="en-US"/>
           </a:p>
         </p:txBody>
       </p:sp>
@@ -1911,7 +1911,7 @@
             </a:pPr>
             <a:fld id="{B5B52024-79AA-4062-8229-397D9E214550}" type="datetime1">
               <a:rPr lang="en-US" smtClean="0"/>
-              <a:t>11/25/2015</a:t>
+              <a:t>12/23/2016</a:t>
             </a:fld>
             <a:endParaRPr lang="en-US"/>
           </a:p>
@@ -1949,10 +1949,9 @@
               <a:defRPr/>
             </a:pPr>
             <a:r>
-              <a:rPr lang="en-US" dirty="0" smtClean="0"/>
+              <a:rPr lang="en-US" dirty="0"/>
               <a:t>TeamSTARS "tsWxGTUI_PyVx" Toolkit prepared &amp; presented by Richard S. Gordon</a:t>
             </a:r>
-            <a:endParaRPr lang="en-US" dirty="0"/>
           </a:p>
         </p:txBody>
       </p:sp>
@@ -2117,7 +2116,7 @@
             </a:pPr>
             <a:fld id="{5534B48B-48D4-4D1F-B98F-2ED8E1B04ED0}" type="datetime1">
               <a:rPr lang="en-US" smtClean="0"/>
-              <a:t>11/25/2015</a:t>
+              <a:t>12/23/2016</a:t>
             </a:fld>
             <a:endParaRPr lang="en-US"/>
           </a:p>
@@ -2148,10 +2147,9 @@
               <a:defRPr/>
             </a:pPr>
             <a:r>
-              <a:rPr lang="en-US" dirty="0" smtClean="0"/>
+              <a:rPr lang="en-US" dirty="0"/>
               <a:t>TeamSTARS "tsWxGTUI_PyVx" Toolkit prepared &amp; presented by Richard S. Gordon</a:t>
             </a:r>
-            <a:endParaRPr lang="en-US" dirty="0"/>
           </a:p>
         </p:txBody>
       </p:sp>
@@ -2319,7 +2317,7 @@
             </a:pPr>
             <a:fld id="{C3557E2B-7DD4-4DCF-9DDD-7786167218C6}" type="datetime1">
               <a:rPr lang="en-US" smtClean="0"/>
-              <a:t>11/25/2015</a:t>
+              <a:t>12/23/2016</a:t>
             </a:fld>
             <a:endParaRPr lang="en-US"/>
           </a:p>
@@ -2350,10 +2348,9 @@
               <a:defRPr/>
             </a:pPr>
             <a:r>
-              <a:rPr lang="en-US" dirty="0" smtClean="0"/>
+              <a:rPr lang="en-US" dirty="0"/>
               <a:t>TeamSTARS "tsWxGTUI_PyVx" Toolkit prepared &amp; presented by Richard S. Gordon</a:t>
             </a:r>
-            <a:endParaRPr lang="en-US" dirty="0"/>
           </a:p>
         </p:txBody>
       </p:sp>
@@ -2511,7 +2508,7 @@
             </a:pPr>
             <a:fld id="{65B11A62-63AA-4067-ACEB-AA6A42CE3A38}" type="datetime1">
               <a:rPr lang="en-US" smtClean="0"/>
-              <a:t>11/25/2015</a:t>
+              <a:t>12/23/2016</a:t>
             </a:fld>
             <a:endParaRPr lang="en-US"/>
           </a:p>
@@ -2542,10 +2539,9 @@
               <a:defRPr/>
             </a:pPr>
             <a:r>
-              <a:rPr lang="en-US" dirty="0" smtClean="0"/>
+              <a:rPr lang="en-US" dirty="0"/>
               <a:t>TeamSTARS "tsWxGTUI_PyVx" Toolkit prepared &amp; presented by Richard S. Gordon</a:t>
             </a:r>
-            <a:endParaRPr lang="en-US" dirty="0"/>
           </a:p>
         </p:txBody>
       </p:sp>
@@ -2726,7 +2722,7 @@
             </a:pPr>
             <a:fld id="{013FB6F9-CFEF-47AA-A08B-D90CED01DE9A}" type="datetime1">
               <a:rPr lang="en-US" smtClean="0"/>
-              <a:t>11/25/2015</a:t>
+              <a:t>12/23/2016</a:t>
             </a:fld>
             <a:endParaRPr lang="en-US"/>
           </a:p>
@@ -2757,10 +2753,9 @@
               <a:defRPr/>
             </a:pPr>
             <a:r>
-              <a:rPr lang="en-US" dirty="0" smtClean="0"/>
+              <a:rPr lang="en-US" dirty="0"/>
               <a:t>TeamSTARS "tsWxGTUI_PyVx" Toolkit prepared &amp; presented by Richard S. Gordon</a:t>
             </a:r>
-            <a:endParaRPr lang="en-US" dirty="0"/>
           </a:p>
         </p:txBody>
       </p:sp>
@@ -3035,7 +3030,7 @@
             </a:pPr>
             <a:fld id="{44D06F95-D493-494F-B0EB-3EDFAA385886}" type="datetime1">
               <a:rPr lang="en-US" smtClean="0"/>
-              <a:t>11/25/2015</a:t>
+              <a:t>12/23/2016</a:t>
             </a:fld>
             <a:endParaRPr lang="en-US"/>
           </a:p>
@@ -3066,10 +3061,9 @@
               <a:defRPr/>
             </a:pPr>
             <a:r>
-              <a:rPr lang="en-US" dirty="0" smtClean="0"/>
+              <a:rPr lang="en-US" dirty="0"/>
               <a:t>TeamSTARS "tsWxGTUI_PyVx" Toolkit prepared &amp; presented by Richard S. Gordon</a:t>
             </a:r>
-            <a:endParaRPr lang="en-US" dirty="0"/>
           </a:p>
         </p:txBody>
       </p:sp>
@@ -3483,7 +3477,7 @@
             </a:pPr>
             <a:fld id="{26FA81D3-96E1-4758-9306-72CE9F6E2F25}" type="datetime1">
               <a:rPr lang="en-US" smtClean="0"/>
-              <a:t>11/25/2015</a:t>
+              <a:t>12/23/2016</a:t>
             </a:fld>
             <a:endParaRPr lang="en-US"/>
           </a:p>
@@ -3514,10 +3508,9 @@
               <a:defRPr/>
             </a:pPr>
             <a:r>
-              <a:rPr lang="en-US" dirty="0" smtClean="0"/>
+              <a:rPr lang="en-US" dirty="0"/>
               <a:t>TeamSTARS "tsWxGTUI_PyVx" Toolkit prepared &amp; presented by Richard S. Gordon</a:t>
             </a:r>
-            <a:endParaRPr lang="en-US" dirty="0"/>
           </a:p>
         </p:txBody>
       </p:sp>
@@ -3624,7 +3617,7 @@
             </a:pPr>
             <a:fld id="{C22C02A3-FDB2-4B02-8110-311DDD8475C2}" type="datetime1">
               <a:rPr lang="en-US" smtClean="0"/>
-              <a:t>11/25/2015</a:t>
+              <a:t>12/23/2016</a:t>
             </a:fld>
             <a:endParaRPr lang="en-US"/>
           </a:p>
@@ -3655,10 +3648,9 @@
               <a:defRPr/>
             </a:pPr>
             <a:r>
-              <a:rPr lang="en-US" dirty="0" smtClean="0"/>
+              <a:rPr lang="en-US" dirty="0"/>
               <a:t>TeamSTARS "tsWxGTUI_PyVx" Toolkit prepared &amp; presented by Richard S. Gordon</a:t>
             </a:r>
-            <a:endParaRPr lang="en-US" dirty="0"/>
           </a:p>
         </p:txBody>
       </p:sp>
@@ -3741,7 +3733,7 @@
             </a:pPr>
             <a:fld id="{FB277746-3C8E-4161-A66B-B97D4FD5213A}" type="datetime1">
               <a:rPr lang="en-US" smtClean="0"/>
-              <a:t>11/25/2015</a:t>
+              <a:t>12/23/2016</a:t>
             </a:fld>
             <a:endParaRPr lang="en-US"/>
           </a:p>
@@ -4035,7 +4027,7 @@
             </a:pPr>
             <a:fld id="{86B778C6-FEB5-4910-BBA7-BBA76466D3B2}" type="datetime1">
               <a:rPr lang="en-US" smtClean="0"/>
-              <a:t>11/25/2015</a:t>
+              <a:t>12/23/2016</a:t>
             </a:fld>
             <a:endParaRPr lang="en-US"/>
           </a:p>
@@ -4066,10 +4058,9 @@
               <a:defRPr/>
             </a:pPr>
             <a:r>
-              <a:rPr lang="en-US" dirty="0" smtClean="0"/>
+              <a:rPr lang="en-US" dirty="0"/>
               <a:t>TeamSTARS "tsWxGTUI_PyVx" Toolkit prepared &amp; presented by Richard S. Gordon</a:t>
             </a:r>
-            <a:endParaRPr lang="en-US" dirty="0"/>
           </a:p>
         </p:txBody>
       </p:sp>
@@ -4312,7 +4303,7 @@
             </a:pPr>
             <a:fld id="{7A68BEE5-7335-4799-9F53-F65CFD274630}" type="datetime1">
               <a:rPr lang="en-US" smtClean="0"/>
-              <a:t>11/25/2015</a:t>
+              <a:t>12/23/2016</a:t>
             </a:fld>
             <a:endParaRPr lang="en-US"/>
           </a:p>
@@ -4343,10 +4334,9 @@
               <a:defRPr/>
             </a:pPr>
             <a:r>
-              <a:rPr lang="en-US" dirty="0" smtClean="0"/>
+              <a:rPr lang="en-US" dirty="0"/>
               <a:t>TeamSTARS "tsWxGTUI_PyVx" Toolkit prepared &amp; presented by Richard S. Gordon</a:t>
             </a:r>
-            <a:endParaRPr lang="en-US" dirty="0"/>
           </a:p>
         </p:txBody>
       </p:sp>
@@ -4726,7 +4716,7 @@
           <a:p>
             <a:pPr lvl="0"/>
             <a:r>
-              <a:rPr lang="en-US" smtClean="0"/>
+              <a:rPr lang="en-US"/>
               <a:t>Click to edit Master title style</a:t>
             </a:r>
           </a:p>
@@ -4768,35 +4758,35 @@
           <a:p>
             <a:pPr lvl="0"/>
             <a:r>
-              <a:rPr lang="en-US" smtClean="0"/>
+              <a:rPr lang="en-US"/>
               <a:t>Click to edit Master text styles</a:t>
             </a:r>
           </a:p>
           <a:p>
             <a:pPr lvl="1"/>
             <a:r>
-              <a:rPr lang="en-US" smtClean="0"/>
+              <a:rPr lang="en-US"/>
               <a:t>Second level</a:t>
             </a:r>
           </a:p>
           <a:p>
             <a:pPr lvl="2"/>
             <a:r>
-              <a:rPr lang="en-US" smtClean="0"/>
+              <a:rPr lang="en-US"/>
               <a:t>Third level</a:t>
             </a:r>
           </a:p>
           <a:p>
             <a:pPr lvl="3"/>
             <a:r>
-              <a:rPr lang="en-US" smtClean="0"/>
+              <a:rPr lang="en-US"/>
               <a:t>Fourth level</a:t>
             </a:r>
           </a:p>
           <a:p>
             <a:pPr lvl="4"/>
             <a:r>
-              <a:rPr lang="en-US" smtClean="0"/>
+              <a:rPr lang="en-US"/>
               <a:t>Fifth level</a:t>
             </a:r>
           </a:p>
@@ -4846,7 +4836,7 @@
             </a:pPr>
             <a:fld id="{45A933D1-86C7-45FF-B83F-CA5ED825AD11}" type="datetime1">
               <a:rPr lang="en-US" smtClean="0"/>
-              <a:t>11/25/2015</a:t>
+              <a:t>12/23/2016</a:t>
             </a:fld>
             <a:endParaRPr lang="en-US"/>
           </a:p>
@@ -4895,10 +4885,9 @@
               <a:defRPr/>
             </a:pPr>
             <a:r>
-              <a:rPr lang="en-US" dirty="0" smtClean="0"/>
+              <a:rPr lang="en-US" dirty="0"/>
               <a:t>TeamSTARS "tsWxGTUI_PyVx" Toolkit prepared &amp; presented by Richard S. Gordon</a:t>
             </a:r>
-            <a:endParaRPr lang="en-US" dirty="0"/>
           </a:p>
         </p:txBody>
       </p:sp>
@@ -5455,14 +5444,14 @@
               <a:buFont typeface="Wingdings" pitchFamily="2" charset="2"/>
               <a:buNone/>
             </a:pPr>
-            <a:endParaRPr lang="en-US" sz="2800" smtClean="0"/>
+            <a:endParaRPr lang="en-US" sz="2800"/>
           </a:p>
           <a:p>
             <a:pPr marL="0" indent="0" algn="ctr" eaLnBrk="1" hangingPunct="1">
               <a:buFont typeface="Wingdings" pitchFamily="2" charset="2"/>
               <a:buNone/>
             </a:pPr>
-            <a:endParaRPr lang="en-US" sz="2800" smtClean="0"/>
+            <a:endParaRPr lang="en-US" sz="2800"/>
           </a:p>
         </p:txBody>
       </p:sp>
@@ -5485,9 +5474,9 @@
           <a:p>
             <a:fld id="{878D0E70-D567-4EAD-BEEC-D30EFDF84A73}" type="datetime1">
               <a:rPr lang="en-US" smtClean="0"/>
-              <a:t>11/25/2015</a:t>
+              <a:t>12/23/2016</a:t>
             </a:fld>
-            <a:endParaRPr lang="en-US" smtClean="0"/>
+            <a:endParaRPr lang="en-US"/>
           </a:p>
         </p:txBody>
       </p:sp>
@@ -5543,34 +5532,32 @@
       </p:sp>
       <p:pic>
         <p:nvPicPr>
-          <p:cNvPr id="6151" name="Picture 5" descr="tsWxGTUI_PyVx Masthead"/>
+          <p:cNvPr id="3" name="Picture 2"/>
           <p:cNvPicPr>
-            <a:picLocks noChangeAspect="1" noChangeArrowheads="1"/>
+            <a:picLocks noChangeAspect="1"/>
           </p:cNvPicPr>
           <p:nvPr/>
         </p:nvPicPr>
         <p:blipFill>
-          <a:blip r:embed="rId3"/>
-          <a:srcRect/>
+          <a:blip r:embed="rId3">
+            <a:extLst>
+              <a:ext uri="{28A0092B-C50C-407E-A947-70E740481C1C}">
+                <a14:useLocalDpi xmlns:a14="http://schemas.microsoft.com/office/drawing/2010/main" val="0"/>
+              </a:ext>
+            </a:extLst>
+          </a:blip>
           <a:stretch>
             <a:fillRect/>
           </a:stretch>
         </p:blipFill>
-        <p:spPr bwMode="auto">
+        <p:spPr>
           <a:xfrm>
-            <a:off x="1524000" y="2195513"/>
-            <a:ext cx="9196388" cy="2259012"/>
+            <a:off x="525512" y="2419349"/>
+            <a:ext cx="11003100" cy="3497237"/>
           </a:xfrm>
           <a:prstGeom prst="rect">
             <a:avLst/>
           </a:prstGeom>
-          <a:noFill/>
-          <a:ln w="9525">
-            <a:noFill/>
-            <a:miter lim="800000"/>
-            <a:headEnd/>
-            <a:tailEnd/>
-          </a:ln>
         </p:spPr>
       </p:pic>
     </p:spTree>
@@ -5579,13 +5566,6 @@
     <a:masterClrMapping/>
   </p:clrMapOvr>
   <p:transition/>
-  <p:timing>
-    <p:tnLst>
-      <p:par>
-        <p:cTn id="1" dur="indefinite" restart="never" nodeType="tmRoot"/>
-      </p:par>
-    </p:tnLst>
-  </p:timing>
 </p:sld>
 </file>
 
@@ -5623,23 +5603,23 @@
           <a:p>
             <a:pPr eaLnBrk="1" hangingPunct="1"/>
             <a:r>
-              <a:rPr lang="en-US" dirty="0" smtClean="0"/>
+              <a:rPr lang="en-US" dirty="0"/>
               <a:t>Table of Contents </a:t>
             </a:r>
             <a:r>
-              <a:rPr lang="en-US" sz="2000" dirty="0" smtClean="0"/>
+              <a:rPr lang="en-US" sz="2000" dirty="0"/>
               <a:t>(</a:t>
             </a:r>
             <a:r>
-              <a:rPr lang="en-US" sz="2000" i="1" dirty="0" smtClean="0"/>
+              <a:rPr lang="en-US" sz="2000" i="1" dirty="0"/>
               <a:t>with slide show</a:t>
             </a:r>
             <a:r>
-              <a:rPr lang="en-US" sz="2000" dirty="0" smtClean="0"/>
+              <a:rPr lang="en-US" sz="2000" dirty="0"/>
               <a:t> </a:t>
             </a:r>
             <a:r>
-              <a:rPr lang="en-US" sz="2000" u="sng" dirty="0" smtClean="0">
+              <a:rPr lang="en-US" sz="2000" u="sng" dirty="0">
                 <a:solidFill>
                   <a:srgbClr val="FF0000"/>
                 </a:solidFill>
@@ -5647,7 +5627,7 @@
               <a:t>Hyperlinks</a:t>
             </a:r>
             <a:r>
-              <a:rPr lang="en-US" sz="2000" dirty="0" smtClean="0"/>
+              <a:rPr lang="en-US" sz="2000" dirty="0"/>
               <a:t>)</a:t>
             </a:r>
           </a:p>
@@ -5758,9 +5738,9 @@
           <a:p>
             <a:fld id="{594743C1-DE31-4E12-9F9F-1BA9DE6E7B96}" type="datetime1">
               <a:rPr lang="en-US" smtClean="0"/>
-              <a:t>11/25/2015</a:t>
+              <a:t>12/23/2016</a:t>
             </a:fld>
-            <a:endParaRPr lang="en-US" smtClean="0"/>
+            <a:endParaRPr lang="en-US"/>
           </a:p>
         </p:txBody>
       </p:sp>
@@ -5820,13 +5800,6 @@
     <a:masterClrMapping/>
   </p:clrMapOvr>
   <p:transition/>
-  <p:timing>
-    <p:tnLst>
-      <p:par>
-        <p:cTn id="1" dur="indefinite" restart="never" nodeType="tmRoot"/>
-      </p:par>
-    </p:tnLst>
-  </p:timing>
 </p:sld>
 </file>
 
@@ -5870,33 +5843,23 @@
             <a:pPr eaLnBrk="1" hangingPunct="1"/>
             <a:r>
               <a:rPr lang="en-US" dirty="0"/>
-              <a:t>Toolkit Building Block </a:t>
-            </a:r>
-            <a:r>
-              <a:rPr lang="en-US" dirty="0" smtClean="0"/>
-              <a:t>Diagram </a:t>
-            </a:r>
-            <a:r>
-              <a:rPr lang="en-US" sz="2000" dirty="0" smtClean="0"/>
+              <a:t>Toolkit Building Block Diagram </a:t>
+            </a:r>
+            <a:r>
+              <a:rPr lang="en-US" sz="2000" dirty="0"/>
               <a:t>(</a:t>
-            </a:r>
-            <a:r>
-              <a:rPr lang="en-US" sz="2000" dirty="0" smtClean="0">
-                <a:hlinkClick r:id="rId3" action="ppaction://hlinksldjump"/>
-              </a:rPr>
-              <a:t>Table </a:t>
             </a:r>
             <a:r>
               <a:rPr lang="en-US" sz="2000" dirty="0">
                 <a:hlinkClick r:id="rId3" action="ppaction://hlinksldjump"/>
               </a:rPr>
-              <a:t>of Contents</a:t>
-            </a:r>
-            <a:r>
-              <a:rPr lang="en-US" sz="2000" dirty="0" smtClean="0"/>
+              <a:t>Table of Contents</a:t>
+            </a:r>
+            <a:r>
+              <a:rPr lang="en-US" sz="2000" dirty="0"/>
               <a:t>)</a:t>
             </a:r>
-            <a:endParaRPr lang="en-US" sz="3200" dirty="0" smtClean="0"/>
+            <a:endParaRPr lang="en-US" sz="3200" dirty="0"/>
           </a:p>
         </p:txBody>
       </p:sp>
@@ -5946,73 +5909,68 @@
           <a:p>
             <a:pPr eaLnBrk="1" hangingPunct="1"/>
             <a:r>
-              <a:rPr lang="en-US" sz="2000" dirty="0" smtClean="0"/>
+              <a:rPr lang="en-US" sz="2000" dirty="0"/>
               <a:t>Cross-platform, Character-mode</a:t>
             </a:r>
             <a:r>
-              <a:rPr lang="en-US" sz="2000" b="1" dirty="0" smtClean="0"/>
+              <a:rPr lang="en-US" sz="2000" b="1" dirty="0"/>
               <a:t> Curses</a:t>
             </a:r>
             <a:r>
-              <a:rPr lang="en-US" sz="2000" dirty="0" smtClean="0"/>
+              <a:rPr lang="en-US" sz="2000" dirty="0"/>
               <a:t>-based emulation of Pixel-mode cross-platform </a:t>
             </a:r>
             <a:r>
-              <a:rPr lang="en-US" sz="2000" b="1" dirty="0" smtClean="0"/>
+              <a:rPr lang="en-US" sz="2000" b="1" dirty="0"/>
               <a:t>wxPython</a:t>
             </a:r>
             <a:r>
-              <a:rPr lang="en-US" sz="2000" dirty="0" smtClean="0"/>
+              <a:rPr lang="en-US" sz="2000" dirty="0"/>
               <a:t> Graphical User Interface (</a:t>
             </a:r>
             <a:r>
-              <a:rPr lang="en-US" sz="2000" dirty="0" err="1" smtClean="0"/>
+              <a:rPr lang="en-US" sz="2000" dirty="0" err="1"/>
               <a:t>tsToolkitGUI</a:t>
-            </a:r>
-            <a:r>
-              <a:rPr lang="en-US" sz="2000" dirty="0" smtClean="0"/>
-              <a:t>)</a:t>
-            </a:r>
-          </a:p>
-          <a:p>
-            <a:pPr eaLnBrk="1" hangingPunct="1"/>
-            <a:r>
-              <a:rPr lang="en-US" sz="2000" dirty="0" smtClean="0"/>
-              <a:t>Cross-platform, Linux-/Unix-like </a:t>
-            </a:r>
-            <a:r>
-              <a:rPr lang="en-US" sz="2000" b="1" dirty="0" smtClean="0"/>
-              <a:t>POSIX</a:t>
-            </a:r>
-            <a:r>
-              <a:rPr lang="en-US" sz="2000" dirty="0" smtClean="0"/>
-              <a:t>-based Command Line </a:t>
-            </a:r>
-            <a:r>
-              <a:rPr lang="en-US" sz="2000" dirty="0"/>
-              <a:t>Interface (</a:t>
-            </a:r>
-            <a:r>
-              <a:rPr lang="en-US" sz="2000" dirty="0" err="1" smtClean="0"/>
-              <a:t>tsToolkitCLI</a:t>
             </a:r>
             <a:r>
               <a:rPr lang="en-US" sz="2000" dirty="0"/>
               <a:t>)</a:t>
             </a:r>
-            <a:endParaRPr lang="en-US" sz="2000" dirty="0" smtClean="0"/>
           </a:p>
           <a:p>
             <a:pPr eaLnBrk="1" hangingPunct="1"/>
             <a:r>
-              <a:rPr lang="en-US" sz="2000" b="1" dirty="0" smtClean="0"/>
+              <a:rPr lang="en-US" sz="2000" dirty="0"/>
+              <a:t>Cross-platform, Linux-/Unix-like </a:t>
+            </a:r>
+            <a:r>
+              <a:rPr lang="en-US" sz="2000" b="1" dirty="0"/>
+              <a:t>POSIX</a:t>
+            </a:r>
+            <a:r>
+              <a:rPr lang="en-US" sz="2000" dirty="0"/>
+              <a:t>-based Command Line Interface (</a:t>
+            </a:r>
+            <a:r>
+              <a:rPr lang="en-US" sz="2000" dirty="0" err="1"/>
+              <a:t>tsToolkitCLI</a:t>
+            </a:r>
+            <a:r>
+              <a:rPr lang="en-US" sz="2000" dirty="0"/>
+              <a:t>)</a:t>
+            </a:r>
+          </a:p>
+          <a:p>
+            <a:pPr eaLnBrk="1" hangingPunct="1"/>
+            <a:r>
+              <a:rPr lang="en-US" sz="2000" b="1" dirty="0"/>
               <a:t>Operator’s Computer Terminal </a:t>
             </a:r>
             <a:r>
-              <a:rPr lang="en-US" sz="2000" dirty="0" smtClean="0"/>
+              <a:rPr lang="en-US" sz="2000" dirty="0"/>
               <a:t>with Display, Keyboard and Mouse</a:t>
             </a:r>
-            <a:endParaRPr lang="en-US" dirty="0" smtClean="0"/>
+            <a:endParaRPr lang="en-US" dirty="0"/>
           </a:p>
         </p:txBody>
       </p:sp>
@@ -6035,9 +5993,9 @@
           <a:p>
             <a:fld id="{C4CD0F24-D883-406C-B918-66E9EB5E340B}" type="datetime1">
               <a:rPr lang="en-US" smtClean="0"/>
-              <a:t>11/25/2015</a:t>
+              <a:t>12/23/2016</a:t>
             </a:fld>
-            <a:endParaRPr lang="en-US" smtClean="0"/>
+            <a:endParaRPr lang="en-US"/>
           </a:p>
         </p:txBody>
       </p:sp>
@@ -6059,7 +6017,7 @@
           <a:lstStyle/>
           <a:p>
             <a:r>
-              <a:rPr lang="en-US" dirty="0" smtClean="0"/>
+              <a:rPr lang="en-US" dirty="0"/>
               <a:t>TeamSTARS "tsWxGTUI_PyVx" Toolkit prepared &amp; presented by Richard S. Gordon</a:t>
             </a:r>
           </a:p>
@@ -6102,13 +6060,6 @@
     <a:masterClrMapping/>
   </p:clrMapOvr>
   <p:transition/>
-  <p:timing>
-    <p:tnLst>
-      <p:par>
-        <p:cTn id="1" dur="indefinite" restart="never" nodeType="tmRoot"/>
-      </p:par>
-    </p:tnLst>
-  </p:timing>
 </p:sld>
 </file>
 
@@ -6147,44 +6098,30 @@
             <a:pPr eaLnBrk="1" hangingPunct="1"/>
             <a:r>
               <a:rPr lang="en-US" sz="3600" dirty="0"/>
-              <a:t>Non-Networked (Stand-Alone) </a:t>
-            </a:r>
-            <a:r>
-              <a:rPr lang="en-US" sz="3600" dirty="0" smtClean="0"/>
-              <a:t>Mode </a:t>
-            </a:r>
-            <a:r>
-              <a:rPr lang="en-US" sz="2000" dirty="0" smtClean="0"/>
+              <a:t>Non-Networked (Stand-Alone) Mode </a:t>
+            </a:r>
+            <a:r>
+              <a:rPr lang="en-US" sz="2000" dirty="0"/>
               <a:t>(</a:t>
-            </a:r>
-            <a:r>
-              <a:rPr lang="en-US" sz="2000" dirty="0" smtClean="0">
-                <a:hlinkClick r:id="rId3" action="ppaction://hlinksldjump"/>
-              </a:rPr>
-              <a:t>Table </a:t>
             </a:r>
             <a:r>
               <a:rPr lang="en-US" sz="2000" dirty="0">
                 <a:hlinkClick r:id="rId3" action="ppaction://hlinksldjump"/>
               </a:rPr>
-              <a:t>of Contents</a:t>
-            </a:r>
-            <a:r>
-              <a:rPr lang="en-US" sz="2000" dirty="0" smtClean="0"/>
+              <a:t>Table of Contents</a:t>
+            </a:r>
+            <a:r>
+              <a:rPr lang="en-US" sz="2000" dirty="0"/>
               <a:t>)</a:t>
-            </a:r>
-            <a:r>
-              <a:rPr lang="en-US" dirty="0"/>
-              <a:t/>
             </a:r>
             <a:br>
               <a:rPr lang="en-US" dirty="0"/>
             </a:br>
             <a:r>
-              <a:rPr lang="en-US" sz="3200" dirty="0" smtClean="0"/>
+              <a:rPr lang="en-US" sz="3200" dirty="0"/>
               <a:t>System (HW-SW) Block Diagram</a:t>
             </a:r>
-            <a:endParaRPr lang="en-US" sz="2000" dirty="0" smtClean="0"/>
+            <a:endParaRPr lang="en-US" sz="2000" dirty="0"/>
           </a:p>
         </p:txBody>
       </p:sp>
@@ -6234,32 +6171,32 @@
           <a:p>
             <a:pPr lvl="1"/>
             <a:r>
-              <a:rPr lang="en-US" sz="1600" dirty="0" smtClean="0">
+              <a:rPr lang="en-US" sz="1600" dirty="0">
                 <a:hlinkClick r:id="rId5" action="ppaction://hlinksldjump"/>
               </a:rPr>
               <a:t>Hardware Components</a:t>
             </a:r>
-            <a:endParaRPr lang="en-US" sz="1600" dirty="0" smtClean="0"/>
+            <a:endParaRPr lang="en-US" sz="1600" dirty="0"/>
           </a:p>
           <a:p>
             <a:pPr lvl="1"/>
             <a:r>
-              <a:rPr lang="en-US" sz="1600" dirty="0" smtClean="0">
+              <a:rPr lang="en-US" sz="1600" dirty="0">
                 <a:hlinkClick r:id="rId6" action="ppaction://hlinksldjump"/>
               </a:rPr>
               <a:t>Operating System Software Components</a:t>
             </a:r>
-            <a:endParaRPr lang="en-US" sz="1600" dirty="0" smtClean="0"/>
+            <a:endParaRPr lang="en-US" sz="1600" dirty="0"/>
           </a:p>
           <a:p>
             <a:pPr lvl="1"/>
             <a:r>
-              <a:rPr lang="en-US" sz="1600" dirty="0" smtClean="0">
+              <a:rPr lang="en-US" sz="1600" dirty="0">
                 <a:hlinkClick r:id="rId3" action="ppaction://hlinksldjump"/>
               </a:rPr>
               <a:t>Application Software Components</a:t>
             </a:r>
-            <a:endParaRPr lang="en-US" sz="1600" dirty="0" smtClean="0"/>
+            <a:endParaRPr lang="en-US" sz="1600" dirty="0"/>
           </a:p>
         </p:txBody>
       </p:sp>
@@ -6282,9 +6219,9 @@
           <a:p>
             <a:fld id="{78686B57-566D-48D3-BCCF-03F0F7CEA2D3}" type="datetime1">
               <a:rPr lang="en-US" smtClean="0"/>
-              <a:t>11/25/2015</a:t>
+              <a:t>12/23/2016</a:t>
             </a:fld>
-            <a:endParaRPr lang="en-US" smtClean="0"/>
+            <a:endParaRPr lang="en-US"/>
           </a:p>
         </p:txBody>
       </p:sp>
@@ -6306,7 +6243,7 @@
           <a:lstStyle/>
           <a:p>
             <a:r>
-              <a:rPr lang="en-US" dirty="0" smtClean="0"/>
+              <a:rPr lang="en-US" dirty="0"/>
               <a:t>TeamSTARS "tsWxGTUI_PyVx" Toolkit prepared &amp; presented by Richard S. Gordon</a:t>
             </a:r>
           </a:p>
@@ -6349,13 +6286,6 @@
     <a:masterClrMapping/>
   </p:clrMapOvr>
   <p:transition/>
-  <p:timing>
-    <p:tnLst>
-      <p:par>
-        <p:cTn id="1" dur="indefinite" restart="never" nodeType="tmRoot"/>
-      </p:par>
-    </p:tnLst>
-  </p:timing>
 </p:sld>
 </file>
 
@@ -6394,33 +6324,23 @@
             <a:pPr eaLnBrk="1" hangingPunct="1"/>
             <a:r>
               <a:rPr lang="en-US" sz="4000" dirty="0"/>
-              <a:t>Hardware Component Usage </a:t>
-            </a:r>
-            <a:r>
-              <a:rPr lang="en-US" sz="4000" dirty="0" smtClean="0"/>
-              <a:t>Notes </a:t>
-            </a:r>
-            <a:r>
-              <a:rPr lang="en-US" sz="2000" dirty="0" smtClean="0"/>
+              <a:t>Hardware Component Usage Notes </a:t>
+            </a:r>
+            <a:r>
+              <a:rPr lang="en-US" sz="2000" dirty="0"/>
               <a:t>(</a:t>
-            </a:r>
-            <a:r>
-              <a:rPr lang="en-US" sz="2000" dirty="0" smtClean="0">
-                <a:hlinkClick r:id="rId3" action="ppaction://hlinksldjump"/>
-              </a:rPr>
-              <a:t>Table </a:t>
             </a:r>
             <a:r>
               <a:rPr lang="en-US" sz="2000" dirty="0">
                 <a:hlinkClick r:id="rId3" action="ppaction://hlinksldjump"/>
               </a:rPr>
-              <a:t>of Contents</a:t>
-            </a:r>
-            <a:r>
-              <a:rPr lang="en-US" sz="2000" dirty="0" smtClean="0"/>
+              <a:t>Table of Contents</a:t>
+            </a:r>
+            <a:r>
+              <a:rPr lang="en-US" sz="2000" dirty="0"/>
               <a:t>)</a:t>
             </a:r>
-            <a:endParaRPr lang="en-US" sz="1600" dirty="0" smtClean="0"/>
+            <a:endParaRPr lang="en-US" sz="1600" dirty="0"/>
           </a:p>
         </p:txBody>
       </p:sp>
@@ -6504,9 +6424,9 @@
           <a:p>
             <a:fld id="{78686B57-566D-48D3-BCCF-03F0F7CEA2D3}" type="datetime1">
               <a:rPr lang="en-US" smtClean="0"/>
-              <a:t>11/25/2015</a:t>
+              <a:t>12/23/2016</a:t>
             </a:fld>
-            <a:endParaRPr lang="en-US" smtClean="0"/>
+            <a:endParaRPr lang="en-US"/>
           </a:p>
         </p:txBody>
       </p:sp>
@@ -6528,7 +6448,7 @@
           <a:lstStyle/>
           <a:p>
             <a:r>
-              <a:rPr lang="en-US" dirty="0" smtClean="0"/>
+              <a:rPr lang="en-US" dirty="0"/>
               <a:t>TeamSTARS "tsWxGTUI_PyVx" Toolkit prepared &amp; presented by Richard S. Gordon</a:t>
             </a:r>
           </a:p>
@@ -6594,13 +6514,6 @@
     <a:masterClrMapping/>
   </p:clrMapOvr>
   <p:transition/>
-  <p:timing>
-    <p:tnLst>
-      <p:par>
-        <p:cTn id="1" dur="indefinite" restart="never" nodeType="tmRoot"/>
-      </p:par>
-    </p:tnLst>
-  </p:timing>
 </p:sld>
 </file>
 
@@ -6639,48 +6552,30 @@
             <a:pPr eaLnBrk="1" hangingPunct="1"/>
             <a:r>
               <a:rPr lang="en-US" sz="4000" dirty="0"/>
-              <a:t>Operating System </a:t>
-            </a:r>
-            <a:r>
-              <a:rPr lang="en-US" sz="4000" dirty="0" smtClean="0"/>
-              <a:t>Software</a:t>
+              <a:t>Operating System Software</a:t>
             </a:r>
             <a:br>
-              <a:rPr lang="en-US" sz="4000" dirty="0" smtClean="0"/>
+              <a:rPr lang="en-US" sz="4000" dirty="0"/>
             </a:br>
             <a:r>
-              <a:rPr lang="en-US" sz="4000" dirty="0" smtClean="0"/>
-              <a:t>Component </a:t>
-            </a:r>
-            <a:r>
               <a:rPr lang="en-US" sz="4000" dirty="0"/>
-              <a:t>Usage </a:t>
-            </a:r>
-            <a:r>
-              <a:rPr lang="en-US" sz="4000" dirty="0" smtClean="0"/>
-              <a:t>Notes </a:t>
-            </a:r>
-            <a:r>
-              <a:rPr lang="en-US" sz="2000" dirty="0" smtClean="0"/>
+              <a:t>Component Usage Notes </a:t>
+            </a:r>
+            <a:r>
+              <a:rPr lang="en-US" sz="2000" dirty="0"/>
               <a:t>(</a:t>
-            </a:r>
-            <a:r>
-              <a:rPr lang="en-US" sz="2000" dirty="0" smtClean="0">
-                <a:hlinkClick r:id="rId3" action="ppaction://hlinksldjump"/>
-              </a:rPr>
-              <a:t>Table </a:t>
             </a:r>
             <a:r>
               <a:rPr lang="en-US" sz="2000" dirty="0">
                 <a:hlinkClick r:id="rId3" action="ppaction://hlinksldjump"/>
               </a:rPr>
-              <a:t>of Contents</a:t>
-            </a:r>
-            <a:r>
-              <a:rPr lang="en-US" sz="2000" dirty="0" smtClean="0"/>
+              <a:t>Table of Contents</a:t>
+            </a:r>
+            <a:r>
+              <a:rPr lang="en-US" sz="2000" dirty="0"/>
               <a:t>)</a:t>
             </a:r>
-            <a:endParaRPr lang="en-US" sz="1600" dirty="0" smtClean="0"/>
+            <a:endParaRPr lang="en-US" sz="1600" dirty="0"/>
           </a:p>
         </p:txBody>
       </p:sp>
@@ -6738,15 +6633,7 @@
             </a:r>
             <a:r>
               <a:rPr lang="en-US" sz="1400" dirty="0"/>
-              <a:t> - The platform specific software (such as Linux, </a:t>
-            </a:r>
-            <a:r>
-              <a:rPr lang="en-US" sz="1400" dirty="0" smtClean="0"/>
-              <a:t>Mac OS </a:t>
-            </a:r>
-            <a:r>
-              <a:rPr lang="en-US" sz="1400" dirty="0"/>
-              <a:t>X, Microsoft Windows and Unix) that coordinates and manages the time-shared use of a platform's processor, memory, storage and input/output hardware resources by multiple application programs and their associated users/operators.</a:t>
+              <a:t> - The platform specific software (such as Linux, Mac OS X, Microsoft Windows and Unix) that coordinates and manages the time-shared use of a platform's processor, memory, storage and input/output hardware resources by multiple application programs and their associated users/operators.</a:t>
             </a:r>
           </a:p>
           <a:p>
@@ -6766,13 +6653,8 @@
             </a:r>
             <a:r>
               <a:rPr lang="en-US" sz="1400" dirty="0"/>
-              <a:t>- The platform specific software for transforming data (such as single button scan codes, multi-button flags and pointer position) to and from the platform independent formats (such as upper and lower case text, display screen column and row and displayed colors, fonts and special effects) used by the Command Line Interface and Graphical User Interface software</a:t>
-            </a:r>
-            <a:r>
-              <a:rPr lang="en-US" sz="1400" dirty="0" smtClean="0"/>
-              <a:t>.</a:t>
-            </a:r>
-            <a:endParaRPr lang="en-US" sz="1400" dirty="0"/>
+              <a:t>- The platform specific software for transforming data (such as single button scan codes, multi-button flags and pointer position) to and from the platform independent formats (such as upper and lower case text, display screen column and row and displayed colors, fonts and special effects) used by the Command Line Interface and Graphical User Interface software.</a:t>
+            </a:r>
           </a:p>
         </p:txBody>
       </p:sp>
@@ -6795,9 +6677,9 @@
           <a:p>
             <a:fld id="{78686B57-566D-48D3-BCCF-03F0F7CEA2D3}" type="datetime1">
               <a:rPr lang="en-US" smtClean="0"/>
-              <a:t>11/25/2015</a:t>
+              <a:t>12/23/2016</a:t>
             </a:fld>
-            <a:endParaRPr lang="en-US" smtClean="0"/>
+            <a:endParaRPr lang="en-US"/>
           </a:p>
         </p:txBody>
       </p:sp>
@@ -6819,7 +6701,7 @@
           <a:lstStyle/>
           <a:p>
             <a:r>
-              <a:rPr lang="en-US" dirty="0" smtClean="0"/>
+              <a:rPr lang="en-US" dirty="0"/>
               <a:t>TeamSTARS "tsWxGTUI_PyVx" Toolkit prepared &amp; presented by Richard S. Gordon</a:t>
             </a:r>
           </a:p>
@@ -6893,13 +6775,6 @@
     <a:masterClrMapping/>
   </p:clrMapOvr>
   <p:transition/>
-  <p:timing>
-    <p:tnLst>
-      <p:par>
-        <p:cTn id="1" dur="indefinite" restart="never" nodeType="tmRoot"/>
-      </p:par>
-    </p:tnLst>
-  </p:timing>
 </p:sld>
 </file>
 
@@ -6938,33 +6813,23 @@
             <a:pPr eaLnBrk="1" hangingPunct="1"/>
             <a:r>
               <a:rPr lang="en-US" sz="4000" dirty="0"/>
-              <a:t>Application Software Usage </a:t>
-            </a:r>
-            <a:r>
-              <a:rPr lang="en-US" sz="4000" dirty="0" smtClean="0"/>
-              <a:t>Notes </a:t>
-            </a:r>
-            <a:r>
-              <a:rPr lang="en-US" sz="2000" dirty="0" smtClean="0"/>
+              <a:t>Application Software Usage Notes </a:t>
+            </a:r>
+            <a:r>
+              <a:rPr lang="en-US" sz="2000" dirty="0"/>
               <a:t>(</a:t>
-            </a:r>
-            <a:r>
-              <a:rPr lang="en-US" sz="2000" dirty="0" smtClean="0">
-                <a:hlinkClick r:id="rId3" action="ppaction://hlinksldjump"/>
-              </a:rPr>
-              <a:t>Table </a:t>
             </a:r>
             <a:r>
               <a:rPr lang="en-US" sz="2000" dirty="0">
                 <a:hlinkClick r:id="rId3" action="ppaction://hlinksldjump"/>
               </a:rPr>
-              <a:t>of Contents</a:t>
-            </a:r>
-            <a:r>
-              <a:rPr lang="en-US" sz="2000" dirty="0" smtClean="0"/>
+              <a:t>Table of Contents</a:t>
+            </a:r>
+            <a:r>
+              <a:rPr lang="en-US" sz="2000" dirty="0"/>
               <a:t>)</a:t>
             </a:r>
-            <a:endParaRPr lang="en-US" sz="1600" dirty="0" smtClean="0"/>
+            <a:endParaRPr lang="en-US" sz="1600" dirty="0"/>
           </a:p>
         </p:txBody>
       </p:sp>
@@ -7056,13 +6921,8 @@
             </a:r>
             <a:r>
               <a:rPr lang="en-US" sz="1200" dirty="0"/>
-              <a:t> - The platform specific program that loads, compiles Python language application program source code into platform independent tokenized byte-code and then interprets and executes the byte-code using a processor and operating system specific run time library</a:t>
-            </a:r>
-            <a:r>
-              <a:rPr lang="en-US" sz="1200" dirty="0" smtClean="0"/>
-              <a:t>.</a:t>
-            </a:r>
-            <a:endParaRPr lang="en-US" sz="1200" dirty="0"/>
+              <a:t> - The platform specific program that loads, compiles Python language application program source code into platform independent tokenized byte-code and then interprets and executes the byte-code using a processor and operating system specific run time library.</a:t>
+            </a:r>
           </a:p>
         </p:txBody>
       </p:sp>
@@ -7085,9 +6945,9 @@
           <a:p>
             <a:fld id="{78686B57-566D-48D3-BCCF-03F0F7CEA2D3}" type="datetime1">
               <a:rPr lang="en-US" smtClean="0"/>
-              <a:t>11/25/2015</a:t>
+              <a:t>12/23/2016</a:t>
             </a:fld>
-            <a:endParaRPr lang="en-US" smtClean="0"/>
+            <a:endParaRPr lang="en-US"/>
           </a:p>
         </p:txBody>
       </p:sp>
@@ -7109,7 +6969,7 @@
           <a:lstStyle/>
           <a:p>
             <a:r>
-              <a:rPr lang="en-US" dirty="0" smtClean="0"/>
+              <a:rPr lang="en-US" dirty="0"/>
               <a:t>TeamSTARS "tsWxGTUI_PyVx" Toolkit prepared &amp; presented by Richard S. Gordon</a:t>
             </a:r>
           </a:p>
@@ -7175,13 +7035,6 @@
     <a:masterClrMapping/>
   </p:clrMapOvr>
   <p:transition/>
-  <p:timing>
-    <p:tnLst>
-      <p:par>
-        <p:cTn id="1" dur="indefinite" restart="never" nodeType="tmRoot"/>
-      </p:par>
-    </p:tnLst>
-  </p:timing>
 </p:sld>
 </file>
 
@@ -7221,9 +7074,9 @@
           <a:p>
             <a:fld id="{9EDEA496-4C01-48E6-8338-28952F847476}" type="datetime1">
               <a:rPr lang="en-US" smtClean="0"/>
-              <a:t>11/25/2015</a:t>
+              <a:t>12/23/2016</a:t>
             </a:fld>
-            <a:endParaRPr lang="en-US" smtClean="0"/>
+            <a:endParaRPr lang="en-US"/>
           </a:p>
         </p:txBody>
       </p:sp>
@@ -7245,7 +7098,7 @@
           <a:lstStyle/>
           <a:p>
             <a:r>
-              <a:rPr lang="en-US" dirty="0" smtClean="0"/>
+              <a:rPr lang="en-US" dirty="0"/>
               <a:t>TeamSTARS "tsWxGTUI_PyVx" Toolkit prepared &amp; presented by Richard S. Gordon</a:t>
             </a:r>
           </a:p>
@@ -7295,66 +7148,44 @@
             <a:pPr eaLnBrk="1" hangingPunct="1"/>
             <a:r>
               <a:rPr lang="en-US" sz="4000" dirty="0"/>
-              <a:t>Networked (Stand-Among) </a:t>
-            </a:r>
-            <a:r>
-              <a:rPr lang="en-US" sz="4000" dirty="0" smtClean="0"/>
-              <a:t>Mode </a:t>
-            </a:r>
-            <a:r>
-              <a:rPr lang="en-US" sz="2000" dirty="0" smtClean="0"/>
+              <a:t>Networked (Stand-Among) Mode </a:t>
+            </a:r>
+            <a:r>
+              <a:rPr lang="en-US" sz="2000" dirty="0"/>
               <a:t>(</a:t>
-            </a:r>
-            <a:r>
-              <a:rPr lang="en-US" sz="2000" dirty="0" smtClean="0">
-                <a:hlinkClick r:id="rId3" action="ppaction://hlinksldjump"/>
-              </a:rPr>
-              <a:t>Table </a:t>
             </a:r>
             <a:r>
               <a:rPr lang="en-US" sz="2000" dirty="0">
                 <a:hlinkClick r:id="rId3" action="ppaction://hlinksldjump"/>
               </a:rPr>
-              <a:t>of Contents</a:t>
-            </a:r>
-            <a:r>
-              <a:rPr lang="en-US" sz="2000" dirty="0" smtClean="0"/>
+              <a:t>Table of Contents</a:t>
+            </a:r>
+            <a:r>
+              <a:rPr lang="en-US" sz="2000" dirty="0"/>
               <a:t>)</a:t>
             </a:r>
-            <a:r>
-              <a:rPr lang="en-US" sz="3200" dirty="0" smtClean="0"/>
-              <a:t/>
-            </a:r>
             <a:br>
-              <a:rPr lang="en-US" sz="3200" dirty="0" smtClean="0"/>
+              <a:rPr lang="en-US" sz="3200" dirty="0"/>
             </a:br>
             <a:r>
-              <a:rPr lang="en-US" sz="3600" dirty="0" smtClean="0"/>
-              <a:t>System </a:t>
-            </a:r>
-            <a:r>
               <a:rPr lang="en-US" sz="3600" dirty="0"/>
-              <a:t>(HW-SW) Block </a:t>
-            </a:r>
-            <a:r>
-              <a:rPr lang="en-US" sz="3600" dirty="0" smtClean="0"/>
-              <a:t>Diagram </a:t>
-            </a:r>
-            <a:r>
-              <a:rPr lang="en-US" sz="1400" dirty="0" smtClean="0"/>
+              <a:t>System (HW-SW) Block Diagram </a:t>
+            </a:r>
+            <a:r>
+              <a:rPr lang="en-US" sz="1400" dirty="0"/>
               <a:t>(</a:t>
             </a:r>
             <a:r>
-              <a:rPr lang="en-US" sz="1400" dirty="0" smtClean="0">
+              <a:rPr lang="en-US" sz="1400" dirty="0">
                 <a:hlinkClick r:id="rId4" action="ppaction://hlinksldjump"/>
               </a:rPr>
               <a:t>Local &amp; Remote System Usage Notes</a:t>
             </a:r>
             <a:r>
-              <a:rPr lang="en-US" sz="1400" dirty="0" smtClean="0"/>
+              <a:rPr lang="en-US" sz="1400" dirty="0"/>
               <a:t>)</a:t>
             </a:r>
-            <a:endParaRPr lang="en-US" sz="1800" dirty="0" smtClean="0"/>
+            <a:endParaRPr lang="en-US" sz="1800" dirty="0"/>
           </a:p>
         </p:txBody>
       </p:sp>
@@ -7393,13 +7224,6 @@
     <a:masterClrMapping/>
   </p:clrMapOvr>
   <p:transition/>
-  <p:timing>
-    <p:tnLst>
-      <p:par>
-        <p:cTn id="1" dur="indefinite" restart="never" nodeType="tmRoot"/>
-      </p:par>
-    </p:tnLst>
-  </p:timing>
 </p:sld>
 </file>
 
@@ -7438,11 +7262,7 @@
             <a:pPr eaLnBrk="1" hangingPunct="1"/>
             <a:r>
               <a:rPr lang="en-US" sz="4000" dirty="0"/>
-              <a:t>Local &amp; Remote </a:t>
-            </a:r>
-            <a:r>
-              <a:rPr lang="en-US" sz="4000" dirty="0" smtClean="0"/>
-              <a:t>System </a:t>
+              <a:t>Local &amp; Remote System </a:t>
             </a:r>
             <a:r>
               <a:rPr lang="en-US" sz="2000" dirty="0"/>
@@ -7458,18 +7278,14 @@
               <a:rPr lang="en-US" sz="2000" dirty="0"/>
               <a:t>)</a:t>
             </a:r>
-            <a:r>
-              <a:rPr lang="en-US" sz="4000" dirty="0" smtClean="0"/>
-              <a:t/>
-            </a:r>
             <a:br>
-              <a:rPr lang="en-US" sz="4000" dirty="0" smtClean="0"/>
+              <a:rPr lang="en-US" sz="4000" dirty="0"/>
             </a:br>
             <a:r>
-              <a:rPr lang="en-US" sz="4000" dirty="0" smtClean="0"/>
+              <a:rPr lang="en-US" sz="4000" dirty="0"/>
               <a:t>Usage Notes</a:t>
             </a:r>
-            <a:endParaRPr lang="en-US" sz="2800" dirty="0" smtClean="0"/>
+            <a:endParaRPr lang="en-US" sz="2800" dirty="0"/>
           </a:p>
         </p:txBody>
       </p:sp>
@@ -7512,40 +7328,15 @@
           <a:lstStyle/>
           <a:p>
             <a:r>
-              <a:rPr lang="en-US" sz="2000" dirty="0" smtClean="0"/>
-              <a:t>Launch </a:t>
-            </a:r>
-            <a:r>
               <a:rPr lang="en-US" sz="2000" dirty="0"/>
-              <a:t>the </a:t>
-            </a:r>
-            <a:r>
-              <a:rPr lang="en-US" sz="2000" dirty="0" smtClean="0"/>
-              <a:t>Local (Left) Command </a:t>
-            </a:r>
-            <a:r>
-              <a:rPr lang="en-US" sz="2000" dirty="0"/>
-              <a:t>Line Interface shell </a:t>
-            </a:r>
-            <a:r>
-              <a:rPr lang="en-US" sz="2000" dirty="0" smtClean="0"/>
-              <a:t>session (bash).</a:t>
-            </a:r>
-            <a:endParaRPr lang="en-US" sz="2000" dirty="0"/>
+              <a:t>Launch the Local (Left) Command Line Interface shell session (bash).</a:t>
+            </a:r>
           </a:p>
           <a:p>
             <a:pPr lvl="1"/>
             <a:r>
               <a:rPr lang="en-US" sz="1400" dirty="0"/>
-              <a:t>Set </a:t>
-            </a:r>
-            <a:r>
-              <a:rPr lang="en-US" sz="1400" dirty="0" smtClean="0"/>
-              <a:t>Local Working </a:t>
-            </a:r>
-            <a:r>
-              <a:rPr lang="en-US" sz="1400" dirty="0"/>
-              <a:t>Directory</a:t>
+              <a:t>Set Local Working Directory</a:t>
             </a:r>
           </a:p>
           <a:p>
@@ -7558,72 +7349,49 @@
           <a:p>
             <a:pPr lvl="1"/>
             <a:r>
-              <a:rPr lang="en-US" sz="1400" dirty="0" smtClean="0"/>
+              <a:rPr lang="en-US" sz="1400" dirty="0"/>
               <a:t>Login to Remote (Right) System, via SSH (secure shell) or SFTP (secure file transfer protocol), as user with/without administrative privileges.</a:t>
             </a:r>
           </a:p>
           <a:p>
             <a:pPr lvl="2"/>
             <a:r>
-              <a:rPr lang="en-US" sz="1200" dirty="0" smtClean="0"/>
+              <a:rPr lang="en-US" sz="1200" dirty="0"/>
               <a:t>Set Remote Working Directory</a:t>
             </a:r>
+          </a:p>
+          <a:p>
+            <a:pPr lvl="2"/>
+            <a:r>
+              <a:rPr lang="en-US" sz="1200" dirty="0"/>
+              <a:t>Launch one or more Remote Application(s)</a:t>
+            </a:r>
+          </a:p>
+          <a:p>
+            <a:pPr lvl="2"/>
+            <a:r>
+              <a:rPr lang="en-US" sz="1200" dirty="0"/>
+              <a:t>Create archive of Remote Application logs directory(s)</a:t>
+            </a:r>
+          </a:p>
+          <a:p>
+            <a:pPr lvl="1"/>
+            <a:r>
+              <a:rPr lang="en-US" sz="1400" dirty="0"/>
+              <a:t>Logout of Remote System</a:t>
+            </a:r>
+          </a:p>
+          <a:p>
+            <a:pPr lvl="1"/>
+            <a:r>
+              <a:rPr lang="en-US" sz="1400" dirty="0"/>
+              <a:t>Transfer archive(s) of Remote Application logs directory from Remote to Local System via SFTP</a:t>
+            </a:r>
             <a:endParaRPr lang="en-US" sz="1200" dirty="0"/>
           </a:p>
           <a:p>
-            <a:pPr lvl="2"/>
-            <a:r>
-              <a:rPr lang="en-US" sz="1200" dirty="0" smtClean="0"/>
-              <a:t>Launch one or more Remote Application(s)</a:t>
-            </a:r>
-            <a:endParaRPr lang="en-US" sz="1200" dirty="0"/>
-          </a:p>
-          <a:p>
-            <a:pPr lvl="2"/>
-            <a:r>
-              <a:rPr lang="en-US" sz="1200" dirty="0" smtClean="0"/>
-              <a:t>Create archive </a:t>
-            </a:r>
-            <a:r>
-              <a:rPr lang="en-US" sz="1200" dirty="0"/>
-              <a:t>of Remote </a:t>
-            </a:r>
-            <a:r>
-              <a:rPr lang="en-US" sz="1200" dirty="0" smtClean="0"/>
-              <a:t>Application logs directory(s)</a:t>
-            </a:r>
-            <a:endParaRPr lang="en-US" sz="1200" dirty="0"/>
-          </a:p>
-          <a:p>
-            <a:pPr lvl="1"/>
-            <a:r>
-              <a:rPr lang="en-US" sz="1400" dirty="0" smtClean="0"/>
-              <a:t>Logout </a:t>
-            </a:r>
-            <a:r>
-              <a:rPr lang="en-US" sz="1400" dirty="0"/>
-              <a:t>of Remote </a:t>
-            </a:r>
-            <a:r>
-              <a:rPr lang="en-US" sz="1400" dirty="0" smtClean="0"/>
-              <a:t>System</a:t>
-            </a:r>
-          </a:p>
-          <a:p>
-            <a:pPr lvl="1"/>
-            <a:r>
-              <a:rPr lang="en-US" sz="1400" dirty="0"/>
-              <a:t>Transfer archive(s) of Remote Application logs directory from Remote to Local System via </a:t>
-            </a:r>
-            <a:r>
-              <a:rPr lang="en-US" sz="1400" dirty="0" smtClean="0"/>
-              <a:t>SFTP</a:t>
-            </a:r>
-            <a:endParaRPr lang="en-US" sz="1200" dirty="0" smtClean="0"/>
-          </a:p>
-          <a:p>
-            <a:r>
-              <a:rPr lang="en-US" sz="2000" dirty="0" smtClean="0"/>
+            <a:r>
+              <a:rPr lang="en-US" sz="2000" dirty="0"/>
               <a:t>Logout of Local System</a:t>
             </a:r>
           </a:p>
@@ -7648,9 +7416,9 @@
           <a:p>
             <a:fld id="{9EDEA496-4C01-48E6-8338-28952F847476}" type="datetime1">
               <a:rPr lang="en-US" smtClean="0"/>
-              <a:t>11/25/2015</a:t>
+              <a:t>12/23/2016</a:t>
             </a:fld>
-            <a:endParaRPr lang="en-US" smtClean="0"/>
+            <a:endParaRPr lang="en-US"/>
           </a:p>
         </p:txBody>
       </p:sp>
@@ -7672,7 +7440,7 @@
           <a:lstStyle/>
           <a:p>
             <a:r>
-              <a:rPr lang="en-US" dirty="0" smtClean="0"/>
+              <a:rPr lang="en-US" dirty="0"/>
               <a:t>TeamSTARS "tsWxGTUI_PyVx" Toolkit prepared &amp; presented by Richard S. Gordon</a:t>
             </a:r>
           </a:p>
@@ -7715,13 +7483,6 @@
     <a:masterClrMapping/>
   </p:clrMapOvr>
   <p:transition/>
-  <p:timing>
-    <p:tnLst>
-      <p:par>
-        <p:cTn id="1" dur="indefinite" restart="never" nodeType="tmRoot"/>
-      </p:par>
-    </p:tnLst>
-  </p:timing>
 </p:sld>
 </file>
 
